--- a/scripts/manuscript/update_202508xx.pptx
+++ b/scripts/manuscript/update_202508xx.pptx
@@ -220,7 +220,7 @@
           <a:p>
             <a:fld id="{980A3329-A5D8-5A45-82D1-AA63529B0F9F}" type="datetimeFigureOut">
               <a:rPr lang="en-US" smtClean="0"/>
-              <a:t>7/15/25</a:t>
+              <a:t>7/19/25</a:t>
             </a:fld>
             <a:endParaRPr lang="en-US"/>
           </a:p>
@@ -634,7 +634,7 @@
           <a:p>
             <a:fld id="{8B87CF90-2037-9148-815D-49A77E793563}" type="datetimeFigureOut">
               <a:rPr lang="en-US" smtClean="0"/>
-              <a:t>7/15/25</a:t>
+              <a:t>7/19/25</a:t>
             </a:fld>
             <a:endParaRPr lang="en-US"/>
           </a:p>
@@ -832,7 +832,7 @@
           <a:p>
             <a:fld id="{8B87CF90-2037-9148-815D-49A77E793563}" type="datetimeFigureOut">
               <a:rPr lang="en-US" smtClean="0"/>
-              <a:t>7/15/25</a:t>
+              <a:t>7/19/25</a:t>
             </a:fld>
             <a:endParaRPr lang="en-US"/>
           </a:p>
@@ -1040,7 +1040,7 @@
           <a:p>
             <a:fld id="{8B87CF90-2037-9148-815D-49A77E793563}" type="datetimeFigureOut">
               <a:rPr lang="en-US" smtClean="0"/>
-              <a:t>7/15/25</a:t>
+              <a:t>7/19/25</a:t>
             </a:fld>
             <a:endParaRPr lang="en-US"/>
           </a:p>
@@ -1238,7 +1238,7 @@
           <a:p>
             <a:fld id="{8B87CF90-2037-9148-815D-49A77E793563}" type="datetimeFigureOut">
               <a:rPr lang="en-US" smtClean="0"/>
-              <a:t>7/15/25</a:t>
+              <a:t>7/19/25</a:t>
             </a:fld>
             <a:endParaRPr lang="en-US"/>
           </a:p>
@@ -1513,7 +1513,7 @@
           <a:p>
             <a:fld id="{8B87CF90-2037-9148-815D-49A77E793563}" type="datetimeFigureOut">
               <a:rPr lang="en-US" smtClean="0"/>
-              <a:t>7/15/25</a:t>
+              <a:t>7/19/25</a:t>
             </a:fld>
             <a:endParaRPr lang="en-US"/>
           </a:p>
@@ -1778,7 +1778,7 @@
           <a:p>
             <a:fld id="{8B87CF90-2037-9148-815D-49A77E793563}" type="datetimeFigureOut">
               <a:rPr lang="en-US" smtClean="0"/>
-              <a:t>7/15/25</a:t>
+              <a:t>7/19/25</a:t>
             </a:fld>
             <a:endParaRPr lang="en-US"/>
           </a:p>
@@ -2190,7 +2190,7 @@
           <a:p>
             <a:fld id="{8B87CF90-2037-9148-815D-49A77E793563}" type="datetimeFigureOut">
               <a:rPr lang="en-US" smtClean="0"/>
-              <a:t>7/15/25</a:t>
+              <a:t>7/19/25</a:t>
             </a:fld>
             <a:endParaRPr lang="en-US"/>
           </a:p>
@@ -2331,7 +2331,7 @@
           <a:p>
             <a:fld id="{8B87CF90-2037-9148-815D-49A77E793563}" type="datetimeFigureOut">
               <a:rPr lang="en-US" smtClean="0"/>
-              <a:t>7/15/25</a:t>
+              <a:t>7/19/25</a:t>
             </a:fld>
             <a:endParaRPr lang="en-US"/>
           </a:p>
@@ -2444,7 +2444,7 @@
           <a:p>
             <a:fld id="{8B87CF90-2037-9148-815D-49A77E793563}" type="datetimeFigureOut">
               <a:rPr lang="en-US" smtClean="0"/>
-              <a:t>7/15/25</a:t>
+              <a:t>7/19/25</a:t>
             </a:fld>
             <a:endParaRPr lang="en-US"/>
           </a:p>
@@ -2755,7 +2755,7 @@
           <a:p>
             <a:fld id="{8B87CF90-2037-9148-815D-49A77E793563}" type="datetimeFigureOut">
               <a:rPr lang="en-US" smtClean="0"/>
-              <a:t>7/15/25</a:t>
+              <a:t>7/19/25</a:t>
             </a:fld>
             <a:endParaRPr lang="en-US"/>
           </a:p>
@@ -3043,7 +3043,7 @@
           <a:p>
             <a:fld id="{8B87CF90-2037-9148-815D-49A77E793563}" type="datetimeFigureOut">
               <a:rPr lang="en-US" smtClean="0"/>
-              <a:t>7/15/25</a:t>
+              <a:t>7/19/25</a:t>
             </a:fld>
             <a:endParaRPr lang="en-US"/>
           </a:p>
@@ -3284,7 +3284,7 @@
           <a:p>
             <a:fld id="{8B87CF90-2037-9148-815D-49A77E793563}" type="datetimeFigureOut">
               <a:rPr lang="en-US" smtClean="0"/>
-              <a:t>7/15/25</a:t>
+              <a:t>7/19/25</a:t>
             </a:fld>
             <a:endParaRPr lang="en-US"/>
           </a:p>
@@ -3848,7 +3848,7 @@
         <p:spPr>
           <a:xfrm>
             <a:off x="487325" y="2422405"/>
-            <a:ext cx="1554126" cy="369332"/>
+            <a:ext cx="1554126" cy="646331"/>
           </a:xfrm>
           <a:prstGeom prst="rect">
             <a:avLst/>
@@ -3866,6 +3866,16 @@
               <a:t>SIR-1S: (26.0)</a:t>
             </a:r>
           </a:p>
+          <a:p>
+            <a:r>
+              <a:rPr lang="en-US" dirty="0">
+                <a:solidFill>
+                  <a:srgbClr val="FF0000"/>
+                </a:solidFill>
+              </a:rPr>
+              <a:t>(39.1)</a:t>
+            </a:r>
+          </a:p>
         </p:txBody>
       </p:sp>
       <p:sp>
@@ -3883,7 +3893,7 @@
         <p:spPr>
           <a:xfrm>
             <a:off x="487324" y="4074970"/>
-            <a:ext cx="1650581" cy="369332"/>
+            <a:ext cx="1650581" cy="646331"/>
           </a:xfrm>
           <a:prstGeom prst="rect">
             <a:avLst/>
@@ -3901,6 +3911,16 @@
               <a:t>SIR-2S: (21.3)</a:t>
             </a:r>
           </a:p>
+          <a:p>
+            <a:r>
+              <a:rPr lang="en-US" dirty="0">
+                <a:solidFill>
+                  <a:srgbClr val="FF0000"/>
+                </a:solidFill>
+              </a:rPr>
+              <a:t>(37.0)</a:t>
+            </a:r>
+          </a:p>
         </p:txBody>
       </p:sp>
       <p:sp>
@@ -3918,7 +3938,7 @@
         <p:spPr>
           <a:xfrm>
             <a:off x="487325" y="5831516"/>
-            <a:ext cx="1554126" cy="369332"/>
+            <a:ext cx="1554126" cy="646331"/>
           </a:xfrm>
           <a:prstGeom prst="rect">
             <a:avLst/>
@@ -3934,6 +3954,16 @@
             <a:r>
               <a:rPr lang="en-US" dirty="0"/>
               <a:t>SIR-3S: (21.1)</a:t>
+            </a:r>
+          </a:p>
+          <a:p>
+            <a:r>
+              <a:rPr lang="en-US" dirty="0">
+                <a:solidFill>
+                  <a:srgbClr val="FF0000"/>
+                </a:solidFill>
+              </a:rPr>
+              <a:t>(37.1)</a:t>
             </a:r>
           </a:p>
         </p:txBody>
@@ -4000,41 +4030,6 @@
           </a:prstGeom>
         </p:spPr>
       </p:pic>
-      <p:sp>
-        <p:nvSpPr>
-          <p:cNvPr id="22" name="TextBox 21">
-            <a:extLst>
-              <a:ext uri="{FF2B5EF4-FFF2-40B4-BE49-F238E27FC236}">
-                <a16:creationId xmlns:a16="http://schemas.microsoft.com/office/drawing/2014/main" id="{AF825E15-9650-44D9-2CD9-EBAD198D692B}"/>
-              </a:ext>
-            </a:extLst>
-          </p:cNvPr>
-          <p:cNvSpPr txBox="1"/>
-          <p:nvPr/>
-        </p:nvSpPr>
-        <p:spPr>
-          <a:xfrm>
-            <a:off x="443022" y="1708588"/>
-            <a:ext cx="1394638" cy="646331"/>
-          </a:xfrm>
-          <a:prstGeom prst="rect">
-            <a:avLst/>
-          </a:prstGeom>
-          <a:noFill/>
-        </p:spPr>
-        <p:txBody>
-          <a:bodyPr wrap="square" rtlCol="0">
-            <a:spAutoFit/>
-          </a:bodyPr>
-          <a:lstStyle/>
-          <a:p>
-            <a:r>
-              <a:rPr lang="en-US" dirty="0"/>
-              <a:t>WIS score 2014-2015</a:t>
-            </a:r>
-          </a:p>
-        </p:txBody>
-      </p:sp>
       <p:pic>
         <p:nvPicPr>
           <p:cNvPr id="4" name="Picture 3">
@@ -4233,6 +4228,51 @@
             <a:r>
               <a:rPr lang="en-US" dirty="0"/>
               <a:t> = [0.02, 0.20, 2.78]</a:t>
+            </a:r>
+          </a:p>
+        </p:txBody>
+      </p:sp>
+      <p:sp>
+        <p:nvSpPr>
+          <p:cNvPr id="3" name="TextBox 2">
+            <a:extLst>
+              <a:ext uri="{FF2B5EF4-FFF2-40B4-BE49-F238E27FC236}">
+                <a16:creationId xmlns:a16="http://schemas.microsoft.com/office/drawing/2014/main" id="{5F4BAF1F-A0F8-2A47-0FDF-595AF21644AB}"/>
+              </a:ext>
+            </a:extLst>
+          </p:cNvPr>
+          <p:cNvSpPr txBox="1"/>
+          <p:nvPr/>
+        </p:nvSpPr>
+        <p:spPr>
+          <a:xfrm>
+            <a:off x="443858" y="1460188"/>
+            <a:ext cx="1394638" cy="923330"/>
+          </a:xfrm>
+          <a:prstGeom prst="rect">
+            <a:avLst/>
+          </a:prstGeom>
+          <a:noFill/>
+        </p:spPr>
+        <p:txBody>
+          <a:bodyPr wrap="square" rtlCol="0">
+            <a:spAutoFit/>
+          </a:bodyPr>
+          <a:lstStyle/>
+          <a:p>
+            <a:r>
+              <a:rPr lang="en-US" dirty="0"/>
+              <a:t>WIS score 2014-2015</a:t>
+            </a:r>
+          </a:p>
+          <a:p>
+            <a:r>
+              <a:rPr lang="en-US" dirty="0">
+                <a:solidFill>
+                  <a:srgbClr val="FF0000"/>
+                </a:solidFill>
+              </a:rPr>
+              <a:t>Overall</a:t>
             </a:r>
           </a:p>
         </p:txBody>

--- a/scripts/manuscript/update_202508xx.pptx
+++ b/scripts/manuscript/update_202508xx.pptx
@@ -5,7 +5,7 @@
     <p:sldMasterId id="2147483648" r:id="rId1"/>
   </p:sldMasterIdLst>
   <p:notesMasterIdLst>
-    <p:notesMasterId r:id="rId14"/>
+    <p:notesMasterId r:id="rId15"/>
   </p:notesMasterIdLst>
   <p:sldIdLst>
     <p:sldId id="256" r:id="rId2"/>
@@ -20,6 +20,7 @@
     <p:sldId id="267" r:id="rId11"/>
     <p:sldId id="265" r:id="rId12"/>
     <p:sldId id="268" r:id="rId13"/>
+    <p:sldId id="269" r:id="rId14"/>
   </p:sldIdLst>
   <p:sldSz cx="12192000" cy="6858000"/>
   <p:notesSz cx="6858000" cy="9144000"/>
@@ -220,7 +221,7 @@
           <a:p>
             <a:fld id="{980A3329-A5D8-5A45-82D1-AA63529B0F9F}" type="datetimeFigureOut">
               <a:rPr lang="en-US" smtClean="0"/>
-              <a:t>7/19/25</a:t>
+              <a:t>7/21/25</a:t>
             </a:fld>
             <a:endParaRPr lang="en-US"/>
           </a:p>
@@ -634,7 +635,7 @@
           <a:p>
             <a:fld id="{8B87CF90-2037-9148-815D-49A77E793563}" type="datetimeFigureOut">
               <a:rPr lang="en-US" smtClean="0"/>
-              <a:t>7/19/25</a:t>
+              <a:t>7/21/25</a:t>
             </a:fld>
             <a:endParaRPr lang="en-US"/>
           </a:p>
@@ -832,7 +833,7 @@
           <a:p>
             <a:fld id="{8B87CF90-2037-9148-815D-49A77E793563}" type="datetimeFigureOut">
               <a:rPr lang="en-US" smtClean="0"/>
-              <a:t>7/19/25</a:t>
+              <a:t>7/21/25</a:t>
             </a:fld>
             <a:endParaRPr lang="en-US"/>
           </a:p>
@@ -1040,7 +1041,7 @@
           <a:p>
             <a:fld id="{8B87CF90-2037-9148-815D-49A77E793563}" type="datetimeFigureOut">
               <a:rPr lang="en-US" smtClean="0"/>
-              <a:t>7/19/25</a:t>
+              <a:t>7/21/25</a:t>
             </a:fld>
             <a:endParaRPr lang="en-US"/>
           </a:p>
@@ -1238,7 +1239,7 @@
           <a:p>
             <a:fld id="{8B87CF90-2037-9148-815D-49A77E793563}" type="datetimeFigureOut">
               <a:rPr lang="en-US" smtClean="0"/>
-              <a:t>7/19/25</a:t>
+              <a:t>7/21/25</a:t>
             </a:fld>
             <a:endParaRPr lang="en-US"/>
           </a:p>
@@ -1513,7 +1514,7 @@
           <a:p>
             <a:fld id="{8B87CF90-2037-9148-815D-49A77E793563}" type="datetimeFigureOut">
               <a:rPr lang="en-US" smtClean="0"/>
-              <a:t>7/19/25</a:t>
+              <a:t>7/21/25</a:t>
             </a:fld>
             <a:endParaRPr lang="en-US"/>
           </a:p>
@@ -1778,7 +1779,7 @@
           <a:p>
             <a:fld id="{8B87CF90-2037-9148-815D-49A77E793563}" type="datetimeFigureOut">
               <a:rPr lang="en-US" smtClean="0"/>
-              <a:t>7/19/25</a:t>
+              <a:t>7/21/25</a:t>
             </a:fld>
             <a:endParaRPr lang="en-US"/>
           </a:p>
@@ -2190,7 +2191,7 @@
           <a:p>
             <a:fld id="{8B87CF90-2037-9148-815D-49A77E793563}" type="datetimeFigureOut">
               <a:rPr lang="en-US" smtClean="0"/>
-              <a:t>7/19/25</a:t>
+              <a:t>7/21/25</a:t>
             </a:fld>
             <a:endParaRPr lang="en-US"/>
           </a:p>
@@ -2331,7 +2332,7 @@
           <a:p>
             <a:fld id="{8B87CF90-2037-9148-815D-49A77E793563}" type="datetimeFigureOut">
               <a:rPr lang="en-US" smtClean="0"/>
-              <a:t>7/19/25</a:t>
+              <a:t>7/21/25</a:t>
             </a:fld>
             <a:endParaRPr lang="en-US"/>
           </a:p>
@@ -2444,7 +2445,7 @@
           <a:p>
             <a:fld id="{8B87CF90-2037-9148-815D-49A77E793563}" type="datetimeFigureOut">
               <a:rPr lang="en-US" smtClean="0"/>
-              <a:t>7/19/25</a:t>
+              <a:t>7/21/25</a:t>
             </a:fld>
             <a:endParaRPr lang="en-US"/>
           </a:p>
@@ -2755,7 +2756,7 @@
           <a:p>
             <a:fld id="{8B87CF90-2037-9148-815D-49A77E793563}" type="datetimeFigureOut">
               <a:rPr lang="en-US" smtClean="0"/>
-              <a:t>7/19/25</a:t>
+              <a:t>7/21/25</a:t>
             </a:fld>
             <a:endParaRPr lang="en-US"/>
           </a:p>
@@ -3043,7 +3044,7 @@
           <a:p>
             <a:fld id="{8B87CF90-2037-9148-815D-49A77E793563}" type="datetimeFigureOut">
               <a:rPr lang="en-US" smtClean="0"/>
-              <a:t>7/19/25</a:t>
+              <a:t>7/21/25</a:t>
             </a:fld>
             <a:endParaRPr lang="en-US"/>
           </a:p>
@@ -3284,7 +3285,7 @@
           <a:p>
             <a:fld id="{8B87CF90-2037-9148-815D-49A77E793563}" type="datetimeFigureOut">
               <a:rPr lang="en-US" smtClean="0"/>
-              <a:t>7/19/25</a:t>
+              <a:t>7/21/25</a:t>
             </a:fld>
             <a:endParaRPr lang="en-US"/>
           </a:p>
@@ -5270,6 +5271,283 @@
     <p:extLst>
       <p:ext uri="{BB962C8B-B14F-4D97-AF65-F5344CB8AC3E}">
         <p14:creationId xmlns:p14="http://schemas.microsoft.com/office/powerpoint/2010/main" val="1412588510"/>
+      </p:ext>
+    </p:extLst>
+  </p:cSld>
+  <p:clrMapOvr>
+    <a:masterClrMapping/>
+  </p:clrMapOvr>
+</p:sld>
+</file>
+
+<file path=ppt/slides/slide13.xml><?xml version="1.0" encoding="utf-8"?>
+<p:sld xmlns:a="http://schemas.openxmlformats.org/drawingml/2006/main" xmlns:r="http://schemas.openxmlformats.org/officeDocument/2006/relationships" xmlns:p="http://schemas.openxmlformats.org/presentationml/2006/main">
+  <p:cSld>
+    <p:spTree>
+      <p:nvGrpSpPr>
+        <p:cNvPr id="1" name=""/>
+        <p:cNvGrpSpPr/>
+        <p:nvPr/>
+      </p:nvGrpSpPr>
+      <p:grpSpPr>
+        <a:xfrm>
+          <a:off x="0" y="0"/>
+          <a:ext cx="0" cy="0"/>
+          <a:chOff x="0" y="0"/>
+          <a:chExt cx="0" cy="0"/>
+        </a:xfrm>
+      </p:grpSpPr>
+      <p:sp>
+        <p:nvSpPr>
+          <p:cNvPr id="2" name="Title 1">
+            <a:extLst>
+              <a:ext uri="{FF2B5EF4-FFF2-40B4-BE49-F238E27FC236}">
+                <a16:creationId xmlns:a16="http://schemas.microsoft.com/office/drawing/2014/main" id="{AECBBDD9-8AC5-21A0-3470-8A5FABC89F40}"/>
+              </a:ext>
+            </a:extLst>
+          </p:cNvPr>
+          <p:cNvSpPr>
+            <a:spLocks noGrp="1"/>
+          </p:cNvSpPr>
+          <p:nvPr>
+            <p:ph type="title"/>
+          </p:nvPr>
+        </p:nvSpPr>
+        <p:spPr/>
+        <p:txBody>
+          <a:bodyPr/>
+          <a:lstStyle/>
+          <a:p>
+            <a:r>
+              <a:rPr lang="en-US" dirty="0"/>
+              <a:t>Reran a training with the target dataset</a:t>
+            </a:r>
+          </a:p>
+        </p:txBody>
+      </p:sp>
+      <p:pic>
+        <p:nvPicPr>
+          <p:cNvPr id="5" name="Content Placeholder 4">
+            <a:extLst>
+              <a:ext uri="{FF2B5EF4-FFF2-40B4-BE49-F238E27FC236}">
+                <a16:creationId xmlns:a16="http://schemas.microsoft.com/office/drawing/2014/main" id="{0F330BA1-9262-462B-AAC8-6F5226E34801}"/>
+              </a:ext>
+            </a:extLst>
+          </p:cNvPr>
+          <p:cNvPicPr>
+            <a:picLocks noGrp="1" noChangeAspect="1"/>
+          </p:cNvPicPr>
+          <p:nvPr>
+            <p:ph idx="1"/>
+          </p:nvPr>
+        </p:nvPicPr>
+        <p:blipFill>
+          <a:blip r:embed="rId2"/>
+          <a:srcRect l="4694" t="87536" r="50000" b="511"/>
+          <a:stretch>
+            <a:fillRect/>
+          </a:stretch>
+        </p:blipFill>
+        <p:spPr>
+          <a:xfrm>
+            <a:off x="6096000" y="2471538"/>
+            <a:ext cx="4557855" cy="2710353"/>
+          </a:xfrm>
+        </p:spPr>
+      </p:pic>
+      <p:pic>
+        <p:nvPicPr>
+          <p:cNvPr id="7" name="Picture 6">
+            <a:extLst>
+              <a:ext uri="{FF2B5EF4-FFF2-40B4-BE49-F238E27FC236}">
+                <a16:creationId xmlns:a16="http://schemas.microsoft.com/office/drawing/2014/main" id="{AB4AA172-F63B-033E-6778-44986A9645EB}"/>
+              </a:ext>
+            </a:extLst>
+          </p:cNvPr>
+          <p:cNvPicPr>
+            <a:picLocks noChangeAspect="1"/>
+          </p:cNvPicPr>
+          <p:nvPr/>
+        </p:nvPicPr>
+        <p:blipFill>
+          <a:blip r:embed="rId3"/>
+          <a:srcRect l="3408" t="87088" r="51053"/>
+          <a:stretch>
+            <a:fillRect/>
+          </a:stretch>
+        </p:blipFill>
+        <p:spPr>
+          <a:xfrm>
+            <a:off x="838200" y="2385646"/>
+            <a:ext cx="4557854" cy="2913184"/>
+          </a:xfrm>
+          <a:prstGeom prst="rect">
+            <a:avLst/>
+          </a:prstGeom>
+        </p:spPr>
+      </p:pic>
+      <p:sp>
+        <p:nvSpPr>
+          <p:cNvPr id="8" name="TextBox 7">
+            <a:extLst>
+              <a:ext uri="{FF2B5EF4-FFF2-40B4-BE49-F238E27FC236}">
+                <a16:creationId xmlns:a16="http://schemas.microsoft.com/office/drawing/2014/main" id="{5BB4EABC-4878-0B6D-7788-99ABDAA419A3}"/>
+              </a:ext>
+            </a:extLst>
+          </p:cNvPr>
+          <p:cNvSpPr txBox="1"/>
+          <p:nvPr/>
+        </p:nvSpPr>
+        <p:spPr>
+          <a:xfrm>
+            <a:off x="7065582" y="1896447"/>
+            <a:ext cx="3657600" cy="369332"/>
+          </a:xfrm>
+          <a:prstGeom prst="rect">
+            <a:avLst/>
+          </a:prstGeom>
+          <a:noFill/>
+        </p:spPr>
+        <p:txBody>
+          <a:bodyPr wrap="square" rtlCol="0">
+            <a:spAutoFit/>
+          </a:bodyPr>
+          <a:lstStyle/>
+          <a:p>
+            <a:r>
+              <a:rPr lang="en-US" dirty="0"/>
+              <a:t>Target included during training</a:t>
+            </a:r>
+          </a:p>
+        </p:txBody>
+      </p:sp>
+      <p:sp>
+        <p:nvSpPr>
+          <p:cNvPr id="10" name="TextBox 9">
+            <a:extLst>
+              <a:ext uri="{FF2B5EF4-FFF2-40B4-BE49-F238E27FC236}">
+                <a16:creationId xmlns:a16="http://schemas.microsoft.com/office/drawing/2014/main" id="{1ACADC59-08D0-62D6-4792-FA1112681B98}"/>
+              </a:ext>
+            </a:extLst>
+          </p:cNvPr>
+          <p:cNvSpPr txBox="1"/>
+          <p:nvPr/>
+        </p:nvSpPr>
+        <p:spPr>
+          <a:xfrm>
+            <a:off x="1576754" y="1905479"/>
+            <a:ext cx="3997570" cy="369332"/>
+          </a:xfrm>
+          <a:prstGeom prst="rect">
+            <a:avLst/>
+          </a:prstGeom>
+          <a:noFill/>
+        </p:spPr>
+        <p:txBody>
+          <a:bodyPr wrap="square" rtlCol="0">
+            <a:spAutoFit/>
+          </a:bodyPr>
+          <a:lstStyle/>
+          <a:p>
+            <a:r>
+              <a:rPr lang="en-US" dirty="0"/>
+              <a:t>Target not included during training</a:t>
+            </a:r>
+          </a:p>
+        </p:txBody>
+      </p:sp>
+      <p:sp>
+        <p:nvSpPr>
+          <p:cNvPr id="11" name="TextBox 10">
+            <a:extLst>
+              <a:ext uri="{FF2B5EF4-FFF2-40B4-BE49-F238E27FC236}">
+                <a16:creationId xmlns:a16="http://schemas.microsoft.com/office/drawing/2014/main" id="{A850BC45-1CEC-2DA4-4A9D-1639EBBA0F42}"/>
+              </a:ext>
+            </a:extLst>
+          </p:cNvPr>
+          <p:cNvSpPr txBox="1"/>
+          <p:nvPr/>
+        </p:nvSpPr>
+        <p:spPr>
+          <a:xfrm>
+            <a:off x="1275019" y="5375140"/>
+            <a:ext cx="4299305" cy="1200329"/>
+          </a:xfrm>
+          <a:prstGeom prst="rect">
+            <a:avLst/>
+          </a:prstGeom>
+          <a:noFill/>
+        </p:spPr>
+        <p:txBody>
+          <a:bodyPr wrap="square" rtlCol="0">
+            <a:spAutoFit/>
+          </a:bodyPr>
+          <a:lstStyle/>
+          <a:p>
+            <a:r>
+              <a:rPr lang="en-US" dirty="0"/>
+              <a:t>More strains </a:t>
+            </a:r>
+            <a:r>
+              <a:rPr lang="en-US" dirty="0">
+                <a:sym typeface="Wingdings" pitchFamily="2" charset="2"/>
+              </a:rPr>
+              <a:t> Flatter modifier trajectory  I thought this was a good thing but it might point to a situation where improving one strain’s fit diminishes another’s</a:t>
+            </a:r>
+            <a:endParaRPr lang="en-US" dirty="0"/>
+          </a:p>
+        </p:txBody>
+      </p:sp>
+      <p:sp>
+        <p:nvSpPr>
+          <p:cNvPr id="12" name="Right Arrow 11">
+            <a:extLst>
+              <a:ext uri="{FF2B5EF4-FFF2-40B4-BE49-F238E27FC236}">
+                <a16:creationId xmlns:a16="http://schemas.microsoft.com/office/drawing/2014/main" id="{01103BF7-B846-9AC3-250D-6FACC3C008F1}"/>
+              </a:ext>
+            </a:extLst>
+          </p:cNvPr>
+          <p:cNvSpPr/>
+          <p:nvPr/>
+        </p:nvSpPr>
+        <p:spPr>
+          <a:xfrm>
+            <a:off x="5307491" y="3247292"/>
+            <a:ext cx="1151925" cy="753529"/>
+          </a:xfrm>
+          <a:prstGeom prst="rightArrow">
+            <a:avLst/>
+          </a:prstGeom>
+        </p:spPr>
+        <p:style>
+          <a:lnRef idx="2">
+            <a:schemeClr val="accent1">
+              <a:shade val="15000"/>
+            </a:schemeClr>
+          </a:lnRef>
+          <a:fillRef idx="1">
+            <a:schemeClr val="accent1"/>
+          </a:fillRef>
+          <a:effectRef idx="0">
+            <a:schemeClr val="accent1"/>
+          </a:effectRef>
+          <a:fontRef idx="minor">
+            <a:schemeClr val="lt1"/>
+          </a:fontRef>
+        </p:style>
+        <p:txBody>
+          <a:bodyPr rtlCol="0" anchor="ctr"/>
+          <a:lstStyle/>
+          <a:p>
+            <a:pPr algn="ctr"/>
+            <a:endParaRPr lang="en-US"/>
+          </a:p>
+        </p:txBody>
+      </p:sp>
+    </p:spTree>
+    <p:extLst>
+      <p:ext uri="{BB962C8B-B14F-4D97-AF65-F5344CB8AC3E}">
+        <p14:creationId xmlns:p14="http://schemas.microsoft.com/office/powerpoint/2010/main" val="3936884262"/>
       </p:ext>
     </p:extLst>
   </p:cSld>
